--- a/Сайт «SignalSprint».pptx
+++ b/Сайт «SignalSprint».pptx
@@ -6337,7 +6337,7 @@
         </p:blipFill>
         <p:spPr>
           <a:xfrm>
-            <a:off x="6514012" y="442460"/>
+            <a:off x="6522720" y="573088"/>
             <a:ext cx="5869577" cy="3822523"/>
           </a:xfrm>
           <a:prstGeom prst="rect">
@@ -6391,8 +6391,8 @@
         </p:nvSpPr>
         <p:spPr>
           <a:xfrm>
-            <a:off x="350020" y="1238087"/>
-            <a:ext cx="5094514" cy="1938992"/>
+            <a:off x="350020" y="1330187"/>
+            <a:ext cx="5658894" cy="2308324"/>
           </a:xfrm>
           <a:prstGeom prst="rect">
             <a:avLst/>
@@ -6405,99 +6405,99 @@
           <a:lstStyle/>
           <a:p>
             <a:r>
-              <a:rPr lang="en-US" sz="2000" dirty="0"/>
+              <a:rPr lang="en-US" sz="2400" dirty="0"/>
               <a:t>	1 </a:t>
             </a:r>
             <a:r>
-              <a:rPr lang="en-US" sz="2000" dirty="0" smtClean="0"/>
+              <a:rPr lang="en-US" sz="2400" dirty="0" smtClean="0"/>
               <a:t>/ </a:t>
             </a:r>
             <a:r>
-              <a:rPr lang="en-US" sz="2000" dirty="0"/>
+              <a:rPr lang="en-US" sz="2400" dirty="0"/>
               <a:t>– </a:t>
             </a:r>
             <a:r>
-              <a:rPr lang="ru-RU" sz="2000" dirty="0"/>
+              <a:rPr lang="ru-RU" sz="2400" dirty="0"/>
               <a:t>основное приложение</a:t>
             </a:r>
           </a:p>
           <a:p>
             <a:pPr lvl="0"/>
             <a:r>
-              <a:rPr lang="ru-RU" sz="2000" dirty="0"/>
+              <a:rPr lang="ru-RU" sz="2400" dirty="0"/>
               <a:t>	2 </a:t>
             </a:r>
             <a:r>
-              <a:rPr lang="en-US" sz="2000" dirty="0" smtClean="0"/>
+              <a:rPr lang="en-US" sz="2400" dirty="0" smtClean="0"/>
               <a:t>/</a:t>
             </a:r>
             <a:r>
-              <a:rPr lang="ru-RU" altLang="ru-RU" sz="2000" dirty="0" err="1" smtClean="0">
+              <a:rPr lang="ru-RU" altLang="ru-RU" sz="2400" dirty="0" err="1" smtClean="0">
                 <a:latin typeface="JetBrains Mono"/>
               </a:rPr>
               <a:t>market</a:t>
             </a:r>
             <a:r>
-              <a:rPr lang="en-US" sz="2000" dirty="0" smtClean="0"/>
+              <a:rPr lang="en-US" sz="2400" dirty="0" smtClean="0"/>
               <a:t> </a:t>
             </a:r>
             <a:r>
-              <a:rPr lang="en-US" sz="2000" dirty="0"/>
+              <a:rPr lang="en-US" sz="2400" dirty="0"/>
               <a:t>– </a:t>
             </a:r>
             <a:r>
-              <a:rPr lang="ru-RU" sz="2000" dirty="0"/>
+              <a:rPr lang="ru-RU" sz="2400" dirty="0"/>
               <a:t>окно </a:t>
             </a:r>
             <a:r>
-              <a:rPr lang="ru-RU" sz="2000" dirty="0" err="1"/>
+              <a:rPr lang="ru-RU" sz="2400" dirty="0" err="1"/>
               <a:t>маркета</a:t>
             </a:r>
             <a:r>
-              <a:rPr lang="ru-RU" sz="2000" dirty="0"/>
+              <a:rPr lang="ru-RU" sz="2400" dirty="0"/>
               <a:t> лотов среди пользователей</a:t>
             </a:r>
           </a:p>
           <a:p>
             <a:r>
-              <a:rPr lang="ru-RU" sz="2000" dirty="0"/>
+              <a:rPr lang="ru-RU" sz="2400" dirty="0"/>
               <a:t>	3 </a:t>
             </a:r>
             <a:r>
-              <a:rPr lang="en-US" sz="2000" dirty="0" smtClean="0"/>
+              <a:rPr lang="en-US" sz="2400" dirty="0" smtClean="0"/>
               <a:t>/register </a:t>
             </a:r>
             <a:r>
-              <a:rPr lang="en-US" sz="2000" dirty="0"/>
+              <a:rPr lang="en-US" sz="2400" dirty="0"/>
               <a:t>– </a:t>
             </a:r>
             <a:r>
-              <a:rPr lang="ru-RU" sz="2000" dirty="0"/>
+              <a:rPr lang="ru-RU" sz="2400" dirty="0"/>
               <a:t>окно регистрации</a:t>
             </a:r>
           </a:p>
           <a:p>
             <a:r>
-              <a:rPr lang="ru-RU" sz="2000" dirty="0"/>
+              <a:rPr lang="ru-RU" sz="2400" dirty="0"/>
               <a:t>	4 </a:t>
             </a:r>
             <a:r>
-              <a:rPr lang="en-US" sz="2000" dirty="0" smtClean="0"/>
+              <a:rPr lang="en-US" sz="2400" dirty="0" smtClean="0"/>
               <a:t>/login </a:t>
             </a:r>
             <a:r>
-              <a:rPr lang="en-US" sz="2000" dirty="0"/>
+              <a:rPr lang="en-US" sz="2400" dirty="0"/>
               <a:t>– </a:t>
             </a:r>
             <a:r>
-              <a:rPr lang="ru-RU" sz="2000" dirty="0"/>
+              <a:rPr lang="ru-RU" sz="2400" dirty="0"/>
               <a:t>окно авторизации на </a:t>
             </a:r>
             <a:r>
-              <a:rPr lang="ru-RU" sz="2000" dirty="0" smtClean="0"/>
+              <a:rPr lang="ru-RU" sz="2400" dirty="0" smtClean="0"/>
               <a:t>сайте</a:t>
             </a:r>
-            <a:endParaRPr lang="ru-RU" sz="2000" dirty="0"/>
+            <a:endParaRPr lang="ru-RU" sz="2400" dirty="0"/>
           </a:p>
         </p:txBody>
       </p:sp>
@@ -6543,7 +6543,7 @@
         </p:blipFill>
         <p:spPr>
           <a:xfrm>
-            <a:off x="-69667" y="3074125"/>
+            <a:off x="0" y="4083601"/>
             <a:ext cx="4641668" cy="2778035"/>
           </a:xfrm>
           <a:prstGeom prst="rect">
@@ -6570,7 +6570,7 @@
         </p:blipFill>
         <p:spPr>
           <a:xfrm>
-            <a:off x="3426823" y="3959527"/>
+            <a:off x="3487783" y="4184468"/>
             <a:ext cx="4589417" cy="2795452"/>
           </a:xfrm>
           <a:prstGeom prst="rect">
@@ -6779,7 +6779,7 @@
         </p:blipFill>
         <p:spPr>
           <a:xfrm>
-            <a:off x="7282274" y="822058"/>
+            <a:off x="7282274" y="778515"/>
             <a:ext cx="5494496" cy="2647406"/>
           </a:xfrm>
           <a:prstGeom prst="rect">
@@ -6972,8 +6972,8 @@
         </p:nvSpPr>
         <p:spPr>
           <a:xfrm>
-            <a:off x="236809" y="121792"/>
-            <a:ext cx="9404723" cy="1400530"/>
+            <a:off x="236810" y="121792"/>
+            <a:ext cx="4221980" cy="1400530"/>
           </a:xfrm>
         </p:spPr>
         <p:txBody>
@@ -6981,145 +6981,220 @@
           <a:lstStyle/>
           <a:p>
             <a:r>
-              <a:rPr lang="ru-RU" dirty="0" smtClean="0"/>
-              <a:t>Создание</a:t>
-            </a:r>
-            <a:r>
-              <a:rPr lang="en-US" dirty="0" smtClean="0"/>
-              <a:t>:</a:t>
-            </a:r>
-            <a:endParaRPr lang="ru-RU" dirty="0"/>
-          </a:p>
-        </p:txBody>
-      </p:sp>
-      <p:sp>
-        <p:nvSpPr>
-          <p:cNvPr id="6" name="Прямоугольник 5"/>
-          <p:cNvSpPr/>
+              <a:rPr lang="ru-RU" sz="2800" dirty="0" err="1" smtClean="0"/>
+              <a:t>Bootstrap</a:t>
+            </a:r>
+            <a:r>
+              <a:rPr lang="en-US" sz="2800" dirty="0" smtClean="0"/>
+              <a:t> -</a:t>
+            </a:r>
+            <a:r>
+              <a:rPr lang="ru-RU" sz="2800" dirty="0" smtClean="0"/>
+              <a:t> </a:t>
+            </a:r>
+            <a:r>
+              <a:rPr lang="ru-RU" sz="2800" dirty="0"/>
+              <a:t>(Модальные окна и другие части сайта).</a:t>
+            </a:r>
+            <a:endParaRPr lang="ru-RU" sz="2800" dirty="0"/>
+          </a:p>
+        </p:txBody>
+      </p:sp>
+      <p:pic>
+        <p:nvPicPr>
+          <p:cNvPr id="7" name="Рисунок 6"/>
+          <p:cNvPicPr>
+            <a:picLocks noChangeAspect="1"/>
+          </p:cNvPicPr>
           <p:nvPr/>
-        </p:nvSpPr>
-        <p:spPr>
-          <a:xfrm>
-            <a:off x="3048000" y="1859340"/>
-            <a:ext cx="6096000" cy="3139321"/>
+        </p:nvPicPr>
+        <p:blipFill rotWithShape="1">
+          <a:blip r:embed="rId2"/>
+          <a:srcRect l="33445" t="32766" r="34278" b="27037"/>
+          <a:stretch/>
+        </p:blipFill>
+        <p:spPr>
+          <a:xfrm>
+            <a:off x="4107155" y="209413"/>
+            <a:ext cx="3944976" cy="2763520"/>
           </a:xfrm>
           <a:prstGeom prst="rect">
             <a:avLst/>
           </a:prstGeom>
-        </p:spPr>
-        <p:txBody>
-          <a:bodyPr>
+          <a:ln>
+            <a:noFill/>
+          </a:ln>
+          <a:effectLst>
+            <a:softEdge rad="112500"/>
+          </a:effectLst>
+        </p:spPr>
+      </p:pic>
+      <p:sp>
+        <p:nvSpPr>
+          <p:cNvPr id="10" name="Умножение 9"/>
+          <p:cNvSpPr/>
+          <p:nvPr/>
+        </p:nvSpPr>
+        <p:spPr>
+          <a:xfrm>
+            <a:off x="7519323" y="385888"/>
+            <a:ext cx="234950" cy="253557"/>
+          </a:xfrm>
+          <a:prstGeom prst="mathMultiply">
+            <a:avLst/>
+          </a:prstGeom>
+          <a:solidFill>
+            <a:schemeClr val="bg1">
+              <a:lumMod val="85000"/>
+              <a:lumOff val="15000"/>
+            </a:schemeClr>
+          </a:solidFill>
+          <a:ln>
+            <a:solidFill>
+              <a:schemeClr val="bg1"/>
+            </a:solidFill>
+          </a:ln>
+        </p:spPr>
+        <p:style>
+          <a:lnRef idx="2">
+            <a:schemeClr val="accent1">
+              <a:shade val="50000"/>
+            </a:schemeClr>
+          </a:lnRef>
+          <a:fillRef idx="1">
+            <a:schemeClr val="accent1"/>
+          </a:fillRef>
+          <a:effectRef idx="0">
+            <a:schemeClr val="accent1"/>
+          </a:effectRef>
+          <a:fontRef idx="minor">
+            <a:schemeClr val="lt1"/>
+          </a:fontRef>
+        </p:style>
+        <p:txBody>
+          <a:bodyPr rtlCol="0" anchor="ctr"/>
+          <a:lstStyle/>
+          <a:p>
+            <a:pPr algn="ctr"/>
+            <a:endParaRPr lang="ru-RU"/>
+          </a:p>
+        </p:txBody>
+      </p:sp>
+      <p:pic>
+        <p:nvPicPr>
+          <p:cNvPr id="11" name="Рисунок 10"/>
+          <p:cNvPicPr>
+            <a:picLocks noChangeAspect="1"/>
+          </p:cNvPicPr>
+          <p:nvPr/>
+        </p:nvPicPr>
+        <p:blipFill rotWithShape="1">
+          <a:blip r:embed="rId3"/>
+          <a:srcRect l="32334" t="25833" r="32250" b="21761"/>
+          <a:stretch/>
+        </p:blipFill>
+        <p:spPr>
+          <a:xfrm>
+            <a:off x="7978140" y="0"/>
+            <a:ext cx="4122420" cy="3433734"/>
+          </a:xfrm>
+          <a:prstGeom prst="rect">
+            <a:avLst/>
+          </a:prstGeom>
+          <a:ln>
+            <a:noFill/>
+          </a:ln>
+          <a:effectLst>
+            <a:softEdge rad="112500"/>
+          </a:effectLst>
+        </p:spPr>
+      </p:pic>
+      <p:sp>
+        <p:nvSpPr>
+          <p:cNvPr id="12" name="Прямоугольник 11"/>
+          <p:cNvSpPr/>
+          <p:nvPr/>
+        </p:nvSpPr>
+        <p:spPr>
+          <a:xfrm>
+            <a:off x="4703612" y="3106004"/>
+            <a:ext cx="3274528" cy="954107"/>
+          </a:xfrm>
+          <a:prstGeom prst="rect">
+            <a:avLst/>
+          </a:prstGeom>
+        </p:spPr>
+        <p:txBody>
+          <a:bodyPr wrap="square">
             <a:spAutoFit/>
           </a:bodyPr>
           <a:lstStyle/>
           <a:p>
             <a:r>
-              <a:rPr lang="ru-RU" dirty="0"/>
-              <a:t>В разработанном сайте «</a:t>
-            </a:r>
-            <a:r>
-              <a:rPr lang="ru-RU" dirty="0" err="1"/>
-              <a:t>SignalSpirit</a:t>
-            </a:r>
-            <a:r>
-              <a:rPr lang="ru-RU" dirty="0"/>
-              <a:t>» реализованы рассмотренные в ходе изучения блока WEB технологии:</a:t>
-            </a:r>
-          </a:p>
-          <a:p>
-            <a:r>
-              <a:rPr lang="ru-RU" dirty="0"/>
-              <a:t>	 </a:t>
-            </a:r>
-            <a:r>
-              <a:rPr lang="ru-RU" dirty="0" err="1"/>
-              <a:t>Bootstrap</a:t>
-            </a:r>
-            <a:r>
-              <a:rPr lang="ru-RU" dirty="0"/>
-              <a:t> (Модальные окна и другие части сайта).</a:t>
-            </a:r>
-          </a:p>
-          <a:p>
-            <a:r>
-              <a:rPr lang="ru-RU" dirty="0"/>
-              <a:t>	 Использование ORM</a:t>
-            </a:r>
-          </a:p>
-          <a:p>
-            <a:r>
-              <a:rPr lang="ru-RU" dirty="0"/>
-              <a:t>	Регистрация и авторизация </a:t>
-            </a:r>
-          </a:p>
-          <a:p>
-            <a:r>
-              <a:rPr lang="ru-RU" dirty="0"/>
-              <a:t>	Создание и использование </a:t>
-            </a:r>
-            <a:r>
-              <a:rPr lang="ru-RU" dirty="0" err="1"/>
-              <a:t>Rest-api</a:t>
-            </a:r>
-            <a:r>
-              <a:rPr lang="ru-RU" dirty="0"/>
-              <a:t> </a:t>
-            </a:r>
-          </a:p>
-          <a:p>
-            <a:r>
-              <a:rPr lang="ru-RU" dirty="0"/>
-              <a:t>	Использование файлов (.</a:t>
-            </a:r>
-            <a:r>
-              <a:rPr lang="ru-RU" dirty="0" err="1"/>
-              <a:t>png</a:t>
-            </a:r>
-            <a:r>
-              <a:rPr lang="ru-RU" dirty="0"/>
-              <a:t>)</a:t>
-            </a:r>
-          </a:p>
-          <a:p>
-            <a:r>
-              <a:rPr lang="ru-RU" dirty="0"/>
-              <a:t>	Использована БД (таблицы: </a:t>
-            </a:r>
-            <a:r>
-              <a:rPr lang="ru-RU" dirty="0" err="1"/>
-              <a:t>Tariff</a:t>
-            </a:r>
-            <a:r>
-              <a:rPr lang="ru-RU" dirty="0"/>
-              <a:t>, </a:t>
-            </a:r>
-            <a:r>
-              <a:rPr lang="ru-RU" dirty="0" err="1"/>
-              <a:t>User</a:t>
-            </a:r>
-            <a:r>
-              <a:rPr lang="ru-RU" dirty="0"/>
-              <a:t>, </a:t>
-            </a:r>
-            <a:r>
-              <a:rPr lang="ru-RU" dirty="0" err="1"/>
-              <a:t>Paket_Users</a:t>
-            </a:r>
-            <a:r>
-              <a:rPr lang="ru-RU" dirty="0"/>
-              <a:t>, </a:t>
-            </a:r>
-            <a:r>
-              <a:rPr lang="ru-RU" dirty="0" err="1"/>
-              <a:t>Lots</a:t>
-            </a:r>
-            <a:r>
-              <a:rPr lang="ru-RU" dirty="0"/>
-              <a:t>)</a:t>
-            </a:r>
-          </a:p>
-        </p:txBody>
-      </p:sp>
+              <a:rPr lang="ru-RU" sz="2800" dirty="0" smtClean="0"/>
+              <a:t>Регистрация </a:t>
+            </a:r>
+            <a:r>
+              <a:rPr lang="ru-RU" sz="2800" dirty="0"/>
+              <a:t>и авторизация </a:t>
+            </a:r>
+          </a:p>
+        </p:txBody>
+      </p:sp>
+      <p:pic>
+        <p:nvPicPr>
+          <p:cNvPr id="14" name="Рисунок 13"/>
+          <p:cNvPicPr/>
+          <p:nvPr/>
+        </p:nvPicPr>
+        <p:blipFill rotWithShape="1">
+          <a:blip r:embed="rId4"/>
+          <a:srcRect l="12031" t="9928" r="10711" b="6411"/>
+          <a:stretch/>
+        </p:blipFill>
+        <p:spPr>
+          <a:xfrm>
+            <a:off x="8496663" y="4062548"/>
+            <a:ext cx="4589417" cy="2795452"/>
+          </a:xfrm>
+          <a:prstGeom prst="rect">
+            <a:avLst/>
+          </a:prstGeom>
+          <a:ln>
+            <a:noFill/>
+          </a:ln>
+          <a:effectLst>
+            <a:softEdge rad="112500"/>
+          </a:effectLst>
+        </p:spPr>
+      </p:pic>
+      <p:pic>
+        <p:nvPicPr>
+          <p:cNvPr id="13" name="Рисунок 12"/>
+          <p:cNvPicPr/>
+          <p:nvPr/>
+        </p:nvPicPr>
+        <p:blipFill rotWithShape="1">
+          <a:blip r:embed="rId5"/>
+          <a:srcRect l="11601" t="10189" r="10262" b="6670"/>
+          <a:stretch/>
+        </p:blipFill>
+        <p:spPr>
+          <a:xfrm>
+            <a:off x="4020042" y="4079965"/>
+            <a:ext cx="4641668" cy="2778035"/>
+          </a:xfrm>
+          <a:prstGeom prst="rect">
+            <a:avLst/>
+          </a:prstGeom>
+          <a:ln>
+            <a:noFill/>
+          </a:ln>
+          <a:effectLst>
+            <a:softEdge rad="112500"/>
+          </a:effectLst>
+        </p:spPr>
+      </p:pic>
     </p:spTree>
     <p:extLst>
       <p:ext uri="{BB962C8B-B14F-4D97-AF65-F5344CB8AC3E}">
